--- a/docs/diagrams/UiComponentClassDiagram.pptx
+++ b/docs/diagrams/UiComponentClassDiagram.pptx
@@ -208,7 +208,7 @@
           <a:p>
             <a:fld id="{F5CC4B3F-88C1-4FFA-B1B6-F41C21DC6924}" type="datetimeFigureOut">
               <a:rPr lang="en-US" smtClean="0"/>
-              <a:t>1/7/2017</a:t>
+              <a:t>11/12/2018</a:t>
             </a:fld>
             <a:endParaRPr lang="en-US"/>
           </a:p>
@@ -654,7 +654,7 @@
           <a:p>
             <a:fld id="{78C97017-6FC3-485B-9764-EAC9E56C1D49}" type="datetimeFigureOut">
               <a:rPr lang="en-US" smtClean="0"/>
-              <a:t>1/7/2017</a:t>
+              <a:t>11/12/2018</a:t>
             </a:fld>
             <a:endParaRPr lang="en-US"/>
           </a:p>
@@ -822,7 +822,7 @@
           <a:p>
             <a:fld id="{78C97017-6FC3-485B-9764-EAC9E56C1D49}" type="datetimeFigureOut">
               <a:rPr lang="en-US" smtClean="0"/>
-              <a:t>1/7/2017</a:t>
+              <a:t>11/12/2018</a:t>
             </a:fld>
             <a:endParaRPr lang="en-US"/>
           </a:p>
@@ -1000,7 +1000,7 @@
           <a:p>
             <a:fld id="{78C97017-6FC3-485B-9764-EAC9E56C1D49}" type="datetimeFigureOut">
               <a:rPr lang="en-US" smtClean="0"/>
-              <a:t>1/7/2017</a:t>
+              <a:t>11/12/2018</a:t>
             </a:fld>
             <a:endParaRPr lang="en-US"/>
           </a:p>
@@ -1168,7 +1168,7 @@
           <a:p>
             <a:fld id="{78C97017-6FC3-485B-9764-EAC9E56C1D49}" type="datetimeFigureOut">
               <a:rPr lang="en-US" smtClean="0"/>
-              <a:t>1/7/2017</a:t>
+              <a:t>11/12/2018</a:t>
             </a:fld>
             <a:endParaRPr lang="en-US"/>
           </a:p>
@@ -1413,7 +1413,7 @@
           <a:p>
             <a:fld id="{78C97017-6FC3-485B-9764-EAC9E56C1D49}" type="datetimeFigureOut">
               <a:rPr lang="en-US" smtClean="0"/>
-              <a:t>1/7/2017</a:t>
+              <a:t>11/12/2018</a:t>
             </a:fld>
             <a:endParaRPr lang="en-US"/>
           </a:p>
@@ -1698,7 +1698,7 @@
           <a:p>
             <a:fld id="{78C97017-6FC3-485B-9764-EAC9E56C1D49}" type="datetimeFigureOut">
               <a:rPr lang="en-US" smtClean="0"/>
-              <a:t>1/7/2017</a:t>
+              <a:t>11/12/2018</a:t>
             </a:fld>
             <a:endParaRPr lang="en-US"/>
           </a:p>
@@ -2117,7 +2117,7 @@
           <a:p>
             <a:fld id="{78C97017-6FC3-485B-9764-EAC9E56C1D49}" type="datetimeFigureOut">
               <a:rPr lang="en-US" smtClean="0"/>
-              <a:t>1/7/2017</a:t>
+              <a:t>11/12/2018</a:t>
             </a:fld>
             <a:endParaRPr lang="en-US"/>
           </a:p>
@@ -2234,7 +2234,7 @@
           <a:p>
             <a:fld id="{78C97017-6FC3-485B-9764-EAC9E56C1D49}" type="datetimeFigureOut">
               <a:rPr lang="en-US" smtClean="0"/>
-              <a:t>1/7/2017</a:t>
+              <a:t>11/12/2018</a:t>
             </a:fld>
             <a:endParaRPr lang="en-US"/>
           </a:p>
@@ -2329,7 +2329,7 @@
           <a:p>
             <a:fld id="{78C97017-6FC3-485B-9764-EAC9E56C1D49}" type="datetimeFigureOut">
               <a:rPr lang="en-US" smtClean="0"/>
-              <a:t>1/7/2017</a:t>
+              <a:t>11/12/2018</a:t>
             </a:fld>
             <a:endParaRPr lang="en-US"/>
           </a:p>
@@ -2604,7 +2604,7 @@
           <a:p>
             <a:fld id="{78C97017-6FC3-485B-9764-EAC9E56C1D49}" type="datetimeFigureOut">
               <a:rPr lang="en-US" smtClean="0"/>
-              <a:t>1/7/2017</a:t>
+              <a:t>11/12/2018</a:t>
             </a:fld>
             <a:endParaRPr lang="en-US"/>
           </a:p>
@@ -2856,7 +2856,7 @@
           <a:p>
             <a:fld id="{78C97017-6FC3-485B-9764-EAC9E56C1D49}" type="datetimeFigureOut">
               <a:rPr lang="en-US" smtClean="0"/>
-              <a:t>1/7/2017</a:t>
+              <a:t>11/12/2018</a:t>
             </a:fld>
             <a:endParaRPr lang="en-US"/>
           </a:p>
@@ -3067,7 +3067,7 @@
           <a:p>
             <a:fld id="{78C97017-6FC3-485B-9764-EAC9E56C1D49}" type="datetimeFigureOut">
               <a:rPr lang="en-US" smtClean="0"/>
-              <a:t>1/7/2017</a:t>
+              <a:t>11/12/2018</a:t>
             </a:fld>
             <a:endParaRPr lang="en-US"/>
           </a:p>
@@ -3450,8 +3450,8 @@
         </p:nvSpPr>
         <p:spPr>
           <a:xfrm>
-            <a:off x="1217465" y="1447800"/>
-            <a:ext cx="4917083" cy="3962400"/>
+            <a:off x="1217465" y="1447799"/>
+            <a:ext cx="4917083" cy="5181591"/>
           </a:xfrm>
           <a:prstGeom prst="roundRect">
             <a:avLst>
@@ -3925,7 +3925,7 @@
                   </a:schemeClr>
                 </a:solidFill>
               </a:rPr>
-              <a:t>BrowserPanel</a:t>
+              <a:t>GraphPanel</a:t>
             </a:r>
             <a:endParaRPr lang="en-SG" sz="1050" b="1" dirty="0">
               <a:solidFill>
@@ -3945,7 +3945,7 @@
         </p:nvSpPr>
         <p:spPr>
           <a:xfrm>
-            <a:off x="2592527" y="4563759"/>
+            <a:off x="2592525" y="5641086"/>
             <a:ext cx="1093635" cy="236841"/>
           </a:xfrm>
           <a:prstGeom prst="rect">
@@ -4125,7 +4125,7 @@
         </p:nvSpPr>
         <p:spPr>
           <a:xfrm>
-            <a:off x="2592528" y="4966000"/>
+            <a:off x="2592529" y="6076028"/>
             <a:ext cx="1093635" cy="236841"/>
           </a:xfrm>
           <a:prstGeom prst="rect">
@@ -4419,8 +4419,8 @@
         </p:nvCxnSpPr>
         <p:spPr>
           <a:xfrm rot="16200000" flipH="1">
-            <a:off x="1597249" y="3686901"/>
-            <a:ext cx="1814155" cy="176401"/>
+            <a:off x="1058584" y="4225566"/>
+            <a:ext cx="2891482" cy="176399"/>
           </a:xfrm>
           <a:prstGeom prst="bentConnector2">
             <a:avLst/>
@@ -4453,14 +4453,15 @@
         <p:nvCxnSpPr>
           <p:cNvPr id="53" name="Elbow Connector 63"/>
           <p:cNvCxnSpPr>
+            <a:cxnSpLocks/>
             <a:endCxn id="38" idx="1"/>
           </p:cNvCxnSpPr>
           <p:nvPr/>
         </p:nvCxnSpPr>
         <p:spPr>
           <a:xfrm rot="16200000" flipH="1">
-            <a:off x="1184119" y="3676012"/>
-            <a:ext cx="2396440" cy="420377"/>
+            <a:off x="627042" y="4228961"/>
+            <a:ext cx="3506467" cy="424507"/>
           </a:xfrm>
           <a:prstGeom prst="bentConnector2">
             <a:avLst/>
@@ -4743,8 +4744,8 @@
         </p:nvCxnSpPr>
         <p:spPr>
           <a:xfrm rot="5400000">
-            <a:off x="3409976" y="2562187"/>
-            <a:ext cx="2396180" cy="1843807"/>
+            <a:off x="2871312" y="3100849"/>
+            <a:ext cx="3473507" cy="1843809"/>
           </a:xfrm>
           <a:prstGeom prst="bentConnector2">
             <a:avLst/>
@@ -4784,8 +4785,8 @@
         </p:nvCxnSpPr>
         <p:spPr>
           <a:xfrm rot="5400000">
-            <a:off x="3208856" y="2763307"/>
-            <a:ext cx="2798421" cy="1843806"/>
+            <a:off x="2653843" y="3318322"/>
+            <a:ext cx="3908449" cy="1843805"/>
           </a:xfrm>
           <a:prstGeom prst="bentConnector2">
             <a:avLst/>
@@ -4863,8 +4864,8 @@
         </p:nvSpPr>
         <p:spPr>
           <a:xfrm rot="16200000">
-            <a:off x="6213739" y="4560376"/>
-            <a:ext cx="1371599" cy="328045"/>
+            <a:off x="5979875" y="4794239"/>
+            <a:ext cx="1839328" cy="328045"/>
           </a:xfrm>
           <a:prstGeom prst="roundRect">
             <a:avLst/>
@@ -5509,6 +5510,730 @@
           </a:p>
         </p:txBody>
       </p:sp>
+      <p:sp>
+        <p:nvSpPr>
+          <p:cNvPr id="48" name="Rectangle 11">
+            <a:extLst>
+              <a:ext uri="{FF2B5EF4-FFF2-40B4-BE49-F238E27FC236}">
+                <a16:creationId xmlns:a16="http://schemas.microsoft.com/office/drawing/2014/main" id="{3890E17A-E3C3-43B7-9697-B48597CB2444}"/>
+              </a:ext>
+            </a:extLst>
+          </p:cNvPr>
+          <p:cNvSpPr/>
+          <p:nvPr/>
+        </p:nvSpPr>
+        <p:spPr>
+          <a:xfrm>
+            <a:off x="2592524" y="4424583"/>
+            <a:ext cx="1093635" cy="236841"/>
+          </a:xfrm>
+          <a:prstGeom prst="rect">
+            <a:avLst/>
+          </a:prstGeom>
+          <a:ln w="19050">
+            <a:solidFill>
+              <a:schemeClr val="accent3"/>
+            </a:solidFill>
+          </a:ln>
+          <a:effectLst/>
+        </p:spPr>
+        <p:style>
+          <a:lnRef idx="1">
+            <a:schemeClr val="accent3"/>
+          </a:lnRef>
+          <a:fillRef idx="2">
+            <a:schemeClr val="accent3"/>
+          </a:fillRef>
+          <a:effectRef idx="1">
+            <a:schemeClr val="accent3"/>
+          </a:effectRef>
+          <a:fontRef idx="minor">
+            <a:schemeClr val="dk1"/>
+          </a:fontRef>
+        </p:style>
+        <p:txBody>
+          <a:bodyPr rtlCol="0" anchor="ctr"/>
+          <a:lstStyle/>
+          <a:p>
+            <a:pPr algn="ctr"/>
+            <a:r>
+              <a:rPr lang="en-US" sz="1050" b="1" dirty="0" err="1">
+                <a:solidFill>
+                  <a:schemeClr val="accent3">
+                    <a:lumMod val="75000"/>
+                  </a:schemeClr>
+                </a:solidFill>
+              </a:rPr>
+              <a:t>EventListPanel</a:t>
+            </a:r>
+            <a:endParaRPr lang="en-SG" sz="1050" b="1" dirty="0">
+              <a:solidFill>
+                <a:schemeClr val="accent3">
+                  <a:lumMod val="75000"/>
+                </a:schemeClr>
+              </a:solidFill>
+            </a:endParaRPr>
+          </a:p>
+        </p:txBody>
+      </p:sp>
+      <p:cxnSp>
+        <p:nvCxnSpPr>
+          <p:cNvPr id="49" name="Elbow Connector 63">
+            <a:extLst>
+              <a:ext uri="{FF2B5EF4-FFF2-40B4-BE49-F238E27FC236}">
+                <a16:creationId xmlns:a16="http://schemas.microsoft.com/office/drawing/2014/main" id="{CBCFA13E-BA45-4553-AD8F-C53DF86646FD}"/>
+              </a:ext>
+            </a:extLst>
+          </p:cNvPr>
+          <p:cNvCxnSpPr>
+            <a:cxnSpLocks/>
+          </p:cNvCxnSpPr>
+          <p:nvPr/>
+        </p:nvCxnSpPr>
+        <p:spPr>
+          <a:xfrm rot="16200000" flipH="1">
+            <a:off x="1897485" y="3843170"/>
+            <a:ext cx="1228002" cy="183164"/>
+          </a:xfrm>
+          <a:prstGeom prst="bentConnector2">
+            <a:avLst/>
+          </a:prstGeom>
+          <a:ln w="19050">
+            <a:solidFill>
+              <a:schemeClr val="accent3"/>
+            </a:solidFill>
+            <a:headEnd type="none" w="med" len="med"/>
+            <a:tailEnd type="arrow" w="med" len="med"/>
+          </a:ln>
+          <a:effectLst/>
+        </p:spPr>
+        <p:style>
+          <a:lnRef idx="1">
+            <a:schemeClr val="accent2"/>
+          </a:lnRef>
+          <a:fillRef idx="2">
+            <a:schemeClr val="accent2"/>
+          </a:fillRef>
+          <a:effectRef idx="1">
+            <a:schemeClr val="accent2"/>
+          </a:effectRef>
+          <a:fontRef idx="minor">
+            <a:schemeClr val="dk1"/>
+          </a:fontRef>
+        </p:style>
+      </p:cxnSp>
+      <p:cxnSp>
+        <p:nvCxnSpPr>
+          <p:cNvPr id="51" name="Elbow Connector 136">
+            <a:extLst>
+              <a:ext uri="{FF2B5EF4-FFF2-40B4-BE49-F238E27FC236}">
+                <a16:creationId xmlns:a16="http://schemas.microsoft.com/office/drawing/2014/main" id="{34FF1752-4C03-4B83-BB6E-301E1C6C6DC9}"/>
+              </a:ext>
+            </a:extLst>
+          </p:cNvPr>
+          <p:cNvCxnSpPr>
+            <a:cxnSpLocks/>
+            <a:stCxn id="48" idx="2"/>
+          </p:cNvCxnSpPr>
+          <p:nvPr/>
+        </p:nvCxnSpPr>
+        <p:spPr>
+          <a:xfrm rot="16200000" flipH="1">
+            <a:off x="3417537" y="4383228"/>
+            <a:ext cx="125980" cy="682371"/>
+          </a:xfrm>
+          <a:prstGeom prst="bentConnector2">
+            <a:avLst/>
+          </a:prstGeom>
+          <a:ln w="19050">
+            <a:solidFill>
+              <a:schemeClr val="accent3"/>
+            </a:solidFill>
+            <a:headEnd type="none" w="med" len="med"/>
+            <a:tailEnd type="arrow" w="med" len="med"/>
+          </a:ln>
+          <a:effectLst/>
+        </p:spPr>
+        <p:style>
+          <a:lnRef idx="1">
+            <a:schemeClr val="accent2"/>
+          </a:lnRef>
+          <a:fillRef idx="2">
+            <a:schemeClr val="accent2"/>
+          </a:fillRef>
+          <a:effectRef idx="1">
+            <a:schemeClr val="accent2"/>
+          </a:effectRef>
+          <a:fontRef idx="minor">
+            <a:schemeClr val="dk1"/>
+          </a:fontRef>
+        </p:style>
+      </p:cxnSp>
+      <p:sp>
+        <p:nvSpPr>
+          <p:cNvPr id="54" name="Rectangle 11">
+            <a:extLst>
+              <a:ext uri="{FF2B5EF4-FFF2-40B4-BE49-F238E27FC236}">
+                <a16:creationId xmlns:a16="http://schemas.microsoft.com/office/drawing/2014/main" id="{E7F560F3-579A-40BE-8CDA-452C182A020D}"/>
+              </a:ext>
+            </a:extLst>
+          </p:cNvPr>
+          <p:cNvSpPr/>
+          <p:nvPr/>
+        </p:nvSpPr>
+        <p:spPr>
+          <a:xfrm>
+            <a:off x="3821713" y="4662977"/>
+            <a:ext cx="1040906" cy="236841"/>
+          </a:xfrm>
+          <a:prstGeom prst="rect">
+            <a:avLst/>
+          </a:prstGeom>
+          <a:ln w="19050">
+            <a:solidFill>
+              <a:schemeClr val="accent3"/>
+            </a:solidFill>
+          </a:ln>
+          <a:effectLst/>
+        </p:spPr>
+        <p:style>
+          <a:lnRef idx="1">
+            <a:schemeClr val="accent3"/>
+          </a:lnRef>
+          <a:fillRef idx="2">
+            <a:schemeClr val="accent3"/>
+          </a:fillRef>
+          <a:effectRef idx="1">
+            <a:schemeClr val="accent3"/>
+          </a:effectRef>
+          <a:fontRef idx="minor">
+            <a:schemeClr val="dk1"/>
+          </a:fontRef>
+        </p:style>
+        <p:txBody>
+          <a:bodyPr rtlCol="0" anchor="ctr"/>
+          <a:lstStyle/>
+          <a:p>
+            <a:pPr algn="ctr"/>
+            <a:r>
+              <a:rPr lang="en-US" sz="1050" b="1" dirty="0" err="1">
+                <a:solidFill>
+                  <a:schemeClr val="accent3">
+                    <a:lumMod val="75000"/>
+                  </a:schemeClr>
+                </a:solidFill>
+              </a:rPr>
+              <a:t>EventCard</a:t>
+            </a:r>
+            <a:endParaRPr lang="en-SG" sz="1050" b="1" dirty="0">
+              <a:solidFill>
+                <a:schemeClr val="accent3">
+                  <a:lumMod val="75000"/>
+                </a:schemeClr>
+              </a:solidFill>
+            </a:endParaRPr>
+          </a:p>
+        </p:txBody>
+      </p:sp>
+      <p:cxnSp>
+        <p:nvCxnSpPr>
+          <p:cNvPr id="58" name="Elbow Connector 63">
+            <a:extLst>
+              <a:ext uri="{FF2B5EF4-FFF2-40B4-BE49-F238E27FC236}">
+                <a16:creationId xmlns:a16="http://schemas.microsoft.com/office/drawing/2014/main" id="{2A4AF9D8-03C7-4AD4-87D7-E83CF7D1C4C3}"/>
+              </a:ext>
+            </a:extLst>
+          </p:cNvPr>
+          <p:cNvCxnSpPr>
+            <a:cxnSpLocks/>
+            <a:endCxn id="54" idx="3"/>
+          </p:cNvCxnSpPr>
+          <p:nvPr/>
+        </p:nvCxnSpPr>
+        <p:spPr>
+          <a:xfrm rot="5400000">
+            <a:off x="3958704" y="3218937"/>
+            <a:ext cx="2466377" cy="658545"/>
+          </a:xfrm>
+          <a:prstGeom prst="bentConnector2">
+            <a:avLst/>
+          </a:prstGeom>
+          <a:ln w="6350">
+            <a:solidFill>
+              <a:schemeClr val="accent3"/>
+            </a:solidFill>
+            <a:headEnd type="none" w="med" len="med"/>
+            <a:tailEnd type="none" w="med" len="med"/>
+          </a:ln>
+          <a:effectLst/>
+        </p:spPr>
+        <p:style>
+          <a:lnRef idx="1">
+            <a:schemeClr val="accent2"/>
+          </a:lnRef>
+          <a:fillRef idx="2">
+            <a:schemeClr val="accent2"/>
+          </a:fillRef>
+          <a:effectRef idx="1">
+            <a:schemeClr val="accent2"/>
+          </a:effectRef>
+          <a:fontRef idx="minor">
+            <a:schemeClr val="dk1"/>
+          </a:fontRef>
+        </p:style>
+      </p:cxnSp>
+      <p:sp>
+        <p:nvSpPr>
+          <p:cNvPr id="64" name="Freeform 117">
+            <a:extLst>
+              <a:ext uri="{FF2B5EF4-FFF2-40B4-BE49-F238E27FC236}">
+                <a16:creationId xmlns:a16="http://schemas.microsoft.com/office/drawing/2014/main" id="{66CE8AB4-179E-48AD-AEC8-2BA45E7F423E}"/>
+              </a:ext>
+            </a:extLst>
+          </p:cNvPr>
+          <p:cNvSpPr/>
+          <p:nvPr/>
+        </p:nvSpPr>
+        <p:spPr>
+          <a:xfrm flipV="1">
+            <a:off x="4102170" y="4915175"/>
+            <a:ext cx="2642195" cy="101600"/>
+          </a:xfrm>
+          <a:custGeom>
+            <a:avLst/>
+            <a:gdLst>
+              <a:gd name="connsiteX0" fmla="*/ 0 w 3048000"/>
+              <a:gd name="connsiteY0" fmla="*/ 203200 h 203200"/>
+              <a:gd name="connsiteX1" fmla="*/ 221673 w 3048000"/>
+              <a:gd name="connsiteY1" fmla="*/ 0 h 203200"/>
+              <a:gd name="connsiteX2" fmla="*/ 3048000 w 3048000"/>
+              <a:gd name="connsiteY2" fmla="*/ 0 h 203200"/>
+            </a:gdLst>
+            <a:ahLst/>
+            <a:cxnLst>
+              <a:cxn ang="0">
+                <a:pos x="connsiteX0" y="connsiteY0"/>
+              </a:cxn>
+              <a:cxn ang="0">
+                <a:pos x="connsiteX1" y="connsiteY1"/>
+              </a:cxn>
+              <a:cxn ang="0">
+                <a:pos x="connsiteX2" y="connsiteY2"/>
+              </a:cxn>
+            </a:cxnLst>
+            <a:rect l="l" t="t" r="r" b="b"/>
+            <a:pathLst>
+              <a:path w="3048000" h="203200">
+                <a:moveTo>
+                  <a:pt x="0" y="203200"/>
+                </a:moveTo>
+                <a:lnTo>
+                  <a:pt x="221673" y="0"/>
+                </a:lnTo>
+                <a:lnTo>
+                  <a:pt x="3048000" y="0"/>
+                </a:lnTo>
+              </a:path>
+            </a:pathLst>
+          </a:custGeom>
+          <a:noFill/>
+          <a:ln w="19050">
+            <a:solidFill>
+              <a:schemeClr val="accent3"/>
+            </a:solidFill>
+            <a:prstDash val="sysDot"/>
+            <a:headEnd type="none" w="med" len="med"/>
+            <a:tailEnd type="arrow" w="med" len="med"/>
+          </a:ln>
+          <a:effectLst/>
+        </p:spPr>
+        <p:style>
+          <a:lnRef idx="1">
+            <a:schemeClr val="accent2"/>
+          </a:lnRef>
+          <a:fillRef idx="2">
+            <a:schemeClr val="accent2"/>
+          </a:fillRef>
+          <a:effectRef idx="1">
+            <a:schemeClr val="accent2"/>
+          </a:effectRef>
+          <a:fontRef idx="minor">
+            <a:schemeClr val="dk1"/>
+          </a:fontRef>
+        </p:style>
+        <p:txBody>
+          <a:bodyPr rtlCol="0" anchor="ctr"/>
+          <a:lstStyle/>
+          <a:p>
+            <a:pPr algn="ctr"/>
+            <a:endParaRPr lang="en-SG"/>
+          </a:p>
+        </p:txBody>
+      </p:sp>
+      <p:sp>
+        <p:nvSpPr>
+          <p:cNvPr id="67" name="Rectangle 11">
+            <a:extLst>
+              <a:ext uri="{FF2B5EF4-FFF2-40B4-BE49-F238E27FC236}">
+                <a16:creationId xmlns:a16="http://schemas.microsoft.com/office/drawing/2014/main" id="{C04A52F3-3736-4951-B450-55D5BD65A7ED}"/>
+              </a:ext>
+            </a:extLst>
+          </p:cNvPr>
+          <p:cNvSpPr/>
+          <p:nvPr/>
+        </p:nvSpPr>
+        <p:spPr>
+          <a:xfrm>
+            <a:off x="2592519" y="4896636"/>
+            <a:ext cx="1093635" cy="236841"/>
+          </a:xfrm>
+          <a:prstGeom prst="rect">
+            <a:avLst/>
+          </a:prstGeom>
+          <a:ln w="19050">
+            <a:solidFill>
+              <a:schemeClr val="accent3"/>
+            </a:solidFill>
+          </a:ln>
+          <a:effectLst/>
+        </p:spPr>
+        <p:style>
+          <a:lnRef idx="1">
+            <a:schemeClr val="accent3"/>
+          </a:lnRef>
+          <a:fillRef idx="2">
+            <a:schemeClr val="accent3"/>
+          </a:fillRef>
+          <a:effectRef idx="1">
+            <a:schemeClr val="accent3"/>
+          </a:effectRef>
+          <a:fontRef idx="minor">
+            <a:schemeClr val="dk1"/>
+          </a:fontRef>
+        </p:style>
+        <p:txBody>
+          <a:bodyPr rtlCol="0" anchor="ctr"/>
+          <a:lstStyle/>
+          <a:p>
+            <a:pPr algn="ctr"/>
+            <a:r>
+              <a:rPr lang="en-US" sz="1050" b="1" dirty="0" err="1">
+                <a:solidFill>
+                  <a:schemeClr val="accent3">
+                    <a:lumMod val="75000"/>
+                  </a:schemeClr>
+                </a:solidFill>
+              </a:rPr>
+              <a:t>GroupListPanel</a:t>
+            </a:r>
+            <a:endParaRPr lang="en-SG" sz="1050" b="1" dirty="0">
+              <a:solidFill>
+                <a:schemeClr val="accent3">
+                  <a:lumMod val="75000"/>
+                </a:schemeClr>
+              </a:solidFill>
+            </a:endParaRPr>
+          </a:p>
+        </p:txBody>
+      </p:sp>
+      <p:cxnSp>
+        <p:nvCxnSpPr>
+          <p:cNvPr id="68" name="Elbow Connector 63">
+            <a:extLst>
+              <a:ext uri="{FF2B5EF4-FFF2-40B4-BE49-F238E27FC236}">
+                <a16:creationId xmlns:a16="http://schemas.microsoft.com/office/drawing/2014/main" id="{BFA90435-54E8-4A73-AFFB-FCE1A28CFDE0}"/>
+              </a:ext>
+            </a:extLst>
+          </p:cNvPr>
+          <p:cNvCxnSpPr>
+            <a:cxnSpLocks/>
+            <a:endCxn id="67" idx="1"/>
+          </p:cNvCxnSpPr>
+          <p:nvPr/>
+        </p:nvCxnSpPr>
+        <p:spPr>
+          <a:xfrm rot="16200000" flipH="1">
+            <a:off x="1905530" y="4328068"/>
+            <a:ext cx="1196398" cy="177579"/>
+          </a:xfrm>
+          <a:prstGeom prst="bentConnector2">
+            <a:avLst/>
+          </a:prstGeom>
+          <a:ln w="19050">
+            <a:solidFill>
+              <a:schemeClr val="accent3"/>
+            </a:solidFill>
+            <a:headEnd type="none" w="med" len="med"/>
+            <a:tailEnd type="arrow" w="med" len="med"/>
+          </a:ln>
+          <a:effectLst/>
+        </p:spPr>
+        <p:style>
+          <a:lnRef idx="1">
+            <a:schemeClr val="accent2"/>
+          </a:lnRef>
+          <a:fillRef idx="2">
+            <a:schemeClr val="accent2"/>
+          </a:fillRef>
+          <a:effectRef idx="1">
+            <a:schemeClr val="accent2"/>
+          </a:effectRef>
+          <a:fontRef idx="minor">
+            <a:schemeClr val="dk1"/>
+          </a:fontRef>
+        </p:style>
+      </p:cxnSp>
+      <p:cxnSp>
+        <p:nvCxnSpPr>
+          <p:cNvPr id="70" name="Elbow Connector 136">
+            <a:extLst>
+              <a:ext uri="{FF2B5EF4-FFF2-40B4-BE49-F238E27FC236}">
+                <a16:creationId xmlns:a16="http://schemas.microsoft.com/office/drawing/2014/main" id="{40FDA3FE-17F2-466D-90C2-BEE83521DCBD}"/>
+              </a:ext>
+            </a:extLst>
+          </p:cNvPr>
+          <p:cNvCxnSpPr>
+            <a:cxnSpLocks/>
+            <a:stCxn id="67" idx="2"/>
+            <a:endCxn id="72" idx="1"/>
+          </p:cNvCxnSpPr>
+          <p:nvPr/>
+        </p:nvCxnSpPr>
+        <p:spPr>
+          <a:xfrm rot="16200000" flipH="1">
+            <a:off x="3430140" y="4842674"/>
+            <a:ext cx="100769" cy="682374"/>
+          </a:xfrm>
+          <a:prstGeom prst="bentConnector2">
+            <a:avLst/>
+          </a:prstGeom>
+          <a:ln w="19050">
+            <a:solidFill>
+              <a:schemeClr val="accent3"/>
+            </a:solidFill>
+            <a:headEnd type="none" w="med" len="med"/>
+            <a:tailEnd type="arrow" w="med" len="med"/>
+          </a:ln>
+          <a:effectLst/>
+        </p:spPr>
+        <p:style>
+          <a:lnRef idx="1">
+            <a:schemeClr val="accent2"/>
+          </a:lnRef>
+          <a:fillRef idx="2">
+            <a:schemeClr val="accent2"/>
+          </a:fillRef>
+          <a:effectRef idx="1">
+            <a:schemeClr val="accent2"/>
+          </a:effectRef>
+          <a:fontRef idx="minor">
+            <a:schemeClr val="dk1"/>
+          </a:fontRef>
+        </p:style>
+      </p:cxnSp>
+      <p:sp>
+        <p:nvSpPr>
+          <p:cNvPr id="72" name="Rectangle 11">
+            <a:extLst>
+              <a:ext uri="{FF2B5EF4-FFF2-40B4-BE49-F238E27FC236}">
+                <a16:creationId xmlns:a16="http://schemas.microsoft.com/office/drawing/2014/main" id="{75FA6209-3AD5-444E-839D-EB551C095C5E}"/>
+              </a:ext>
+            </a:extLst>
+          </p:cNvPr>
+          <p:cNvSpPr/>
+          <p:nvPr/>
+        </p:nvSpPr>
+        <p:spPr>
+          <a:xfrm>
+            <a:off x="3821711" y="5115825"/>
+            <a:ext cx="1040906" cy="236841"/>
+          </a:xfrm>
+          <a:prstGeom prst="rect">
+            <a:avLst/>
+          </a:prstGeom>
+          <a:ln w="19050">
+            <a:solidFill>
+              <a:schemeClr val="accent3"/>
+            </a:solidFill>
+          </a:ln>
+          <a:effectLst/>
+        </p:spPr>
+        <p:style>
+          <a:lnRef idx="1">
+            <a:schemeClr val="accent3"/>
+          </a:lnRef>
+          <a:fillRef idx="2">
+            <a:schemeClr val="accent3"/>
+          </a:fillRef>
+          <a:effectRef idx="1">
+            <a:schemeClr val="accent3"/>
+          </a:effectRef>
+          <a:fontRef idx="minor">
+            <a:schemeClr val="dk1"/>
+          </a:fontRef>
+        </p:style>
+        <p:txBody>
+          <a:bodyPr rtlCol="0" anchor="ctr"/>
+          <a:lstStyle/>
+          <a:p>
+            <a:pPr algn="ctr"/>
+            <a:r>
+              <a:rPr lang="en-US" sz="1050" b="1" dirty="0" err="1">
+                <a:solidFill>
+                  <a:schemeClr val="accent3">
+                    <a:lumMod val="75000"/>
+                  </a:schemeClr>
+                </a:solidFill>
+              </a:rPr>
+              <a:t>GroupCard</a:t>
+            </a:r>
+            <a:endParaRPr lang="en-SG" sz="1050" b="1" dirty="0">
+              <a:solidFill>
+                <a:schemeClr val="accent3">
+                  <a:lumMod val="75000"/>
+                </a:schemeClr>
+              </a:solidFill>
+            </a:endParaRPr>
+          </a:p>
+        </p:txBody>
+      </p:sp>
+      <p:sp>
+        <p:nvSpPr>
+          <p:cNvPr id="76" name="Freeform 117">
+            <a:extLst>
+              <a:ext uri="{FF2B5EF4-FFF2-40B4-BE49-F238E27FC236}">
+                <a16:creationId xmlns:a16="http://schemas.microsoft.com/office/drawing/2014/main" id="{3CDA49E9-B7C9-49AC-8A36-001AE7E173C2}"/>
+              </a:ext>
+            </a:extLst>
+          </p:cNvPr>
+          <p:cNvSpPr/>
+          <p:nvPr/>
+        </p:nvSpPr>
+        <p:spPr>
+          <a:xfrm flipV="1">
+            <a:off x="4114799" y="5366028"/>
+            <a:ext cx="2642195" cy="101600"/>
+          </a:xfrm>
+          <a:custGeom>
+            <a:avLst/>
+            <a:gdLst>
+              <a:gd name="connsiteX0" fmla="*/ 0 w 3048000"/>
+              <a:gd name="connsiteY0" fmla="*/ 203200 h 203200"/>
+              <a:gd name="connsiteX1" fmla="*/ 221673 w 3048000"/>
+              <a:gd name="connsiteY1" fmla="*/ 0 h 203200"/>
+              <a:gd name="connsiteX2" fmla="*/ 3048000 w 3048000"/>
+              <a:gd name="connsiteY2" fmla="*/ 0 h 203200"/>
+            </a:gdLst>
+            <a:ahLst/>
+            <a:cxnLst>
+              <a:cxn ang="0">
+                <a:pos x="connsiteX0" y="connsiteY0"/>
+              </a:cxn>
+              <a:cxn ang="0">
+                <a:pos x="connsiteX1" y="connsiteY1"/>
+              </a:cxn>
+              <a:cxn ang="0">
+                <a:pos x="connsiteX2" y="connsiteY2"/>
+              </a:cxn>
+            </a:cxnLst>
+            <a:rect l="l" t="t" r="r" b="b"/>
+            <a:pathLst>
+              <a:path w="3048000" h="203200">
+                <a:moveTo>
+                  <a:pt x="0" y="203200"/>
+                </a:moveTo>
+                <a:lnTo>
+                  <a:pt x="221673" y="0"/>
+                </a:lnTo>
+                <a:lnTo>
+                  <a:pt x="3048000" y="0"/>
+                </a:lnTo>
+              </a:path>
+            </a:pathLst>
+          </a:custGeom>
+          <a:noFill/>
+          <a:ln w="19050">
+            <a:solidFill>
+              <a:schemeClr val="accent3"/>
+            </a:solidFill>
+            <a:prstDash val="sysDot"/>
+            <a:headEnd type="none" w="med" len="med"/>
+            <a:tailEnd type="arrow" w="med" len="med"/>
+          </a:ln>
+          <a:effectLst/>
+        </p:spPr>
+        <p:style>
+          <a:lnRef idx="1">
+            <a:schemeClr val="accent2"/>
+          </a:lnRef>
+          <a:fillRef idx="2">
+            <a:schemeClr val="accent2"/>
+          </a:fillRef>
+          <a:effectRef idx="1">
+            <a:schemeClr val="accent2"/>
+          </a:effectRef>
+          <a:fontRef idx="minor">
+            <a:schemeClr val="dk1"/>
+          </a:fontRef>
+        </p:style>
+        <p:txBody>
+          <a:bodyPr rtlCol="0" anchor="ctr"/>
+          <a:lstStyle/>
+          <a:p>
+            <a:pPr algn="ctr"/>
+            <a:endParaRPr lang="en-SG"/>
+          </a:p>
+        </p:txBody>
+      </p:sp>
+      <p:cxnSp>
+        <p:nvCxnSpPr>
+          <p:cNvPr id="78" name="Elbow Connector 63">
+            <a:extLst>
+              <a:ext uri="{FF2B5EF4-FFF2-40B4-BE49-F238E27FC236}">
+                <a16:creationId xmlns:a16="http://schemas.microsoft.com/office/drawing/2014/main" id="{5815B280-A1CE-4CAE-9045-EB1BD40E1371}"/>
+              </a:ext>
+            </a:extLst>
+          </p:cNvPr>
+          <p:cNvCxnSpPr>
+            <a:cxnSpLocks/>
+          </p:cNvCxnSpPr>
+          <p:nvPr/>
+        </p:nvCxnSpPr>
+        <p:spPr>
+          <a:xfrm rot="16200000" flipH="1" flipV="1">
+            <a:off x="3860833" y="3588522"/>
+            <a:ext cx="2670921" cy="667350"/>
+          </a:xfrm>
+          <a:prstGeom prst="bentConnector4">
+            <a:avLst>
+              <a:gd name="adj1" fmla="val 99853"/>
+              <a:gd name="adj2" fmla="val 60134"/>
+            </a:avLst>
+          </a:prstGeom>
+          <a:ln w="6350">
+            <a:solidFill>
+              <a:schemeClr val="accent3"/>
+            </a:solidFill>
+            <a:headEnd type="none" w="med" len="med"/>
+            <a:tailEnd type="none" w="med" len="med"/>
+          </a:ln>
+          <a:effectLst/>
+        </p:spPr>
+        <p:style>
+          <a:lnRef idx="1">
+            <a:schemeClr val="accent2"/>
+          </a:lnRef>
+          <a:fillRef idx="2">
+            <a:schemeClr val="accent2"/>
+          </a:fillRef>
+          <a:effectRef idx="1">
+            <a:schemeClr val="accent2"/>
+          </a:effectRef>
+          <a:fontRef idx="minor">
+            <a:schemeClr val="dk1"/>
+          </a:fontRef>
+        </p:style>
+      </p:cxnSp>
     </p:spTree>
     <p:extLst>
       <p:ext uri="{BB962C8B-B14F-4D97-AF65-F5344CB8AC3E}">

--- a/docs/diagrams/UiComponentClassDiagram.pptx
+++ b/docs/diagrams/UiComponentClassDiagram.pptx
@@ -4038,16 +4038,16 @@
           <a:p>
             <a:pPr algn="ctr"/>
             <a:r>
-              <a:rPr lang="en-US" sz="1050" b="1" dirty="0" err="1">
+              <a:rPr lang="en-US" sz="1000" b="1" dirty="0" err="1">
                 <a:solidFill>
                   <a:schemeClr val="accent3">
                     <a:lumMod val="75000"/>
                   </a:schemeClr>
                 </a:solidFill>
               </a:rPr>
-              <a:t>PersonListPanel</a:t>
-            </a:r>
-            <a:endParaRPr lang="en-SG" sz="1050" b="1" dirty="0">
+              <a:t>StudentListPanel</a:t>
+            </a:r>
+            <a:endParaRPr lang="en-SG" sz="1000" b="1" dirty="0">
               <a:solidFill>
                 <a:schemeClr val="accent3">
                   <a:lumMod val="75000"/>
@@ -4105,7 +4105,7 @@
                   </a:schemeClr>
                 </a:solidFill>
               </a:rPr>
-              <a:t>PersonCard</a:t>
+              <a:t>StudentCard</a:t>
             </a:r>
             <a:endParaRPr lang="en-SG" sz="1050" b="1" dirty="0">
               <a:solidFill>
